--- a/Milestone1 Presentation.pptx
+++ b/Milestone1 Presentation.pptx
@@ -5,19 +5,20 @@
     <p:sldMasterId id="2147483696" r:id="rId1"/>
   </p:sldMasterIdLst>
   <p:notesMasterIdLst>
-    <p:notesMasterId r:id="rId9"/>
+    <p:notesMasterId r:id="rId10"/>
   </p:notesMasterIdLst>
   <p:handoutMasterIdLst>
-    <p:handoutMasterId r:id="rId10"/>
+    <p:handoutMasterId r:id="rId11"/>
   </p:handoutMasterIdLst>
   <p:sldIdLst>
     <p:sldId id="256" r:id="rId2"/>
     <p:sldId id="260" r:id="rId3"/>
-    <p:sldId id="261" r:id="rId4"/>
-    <p:sldId id="263" r:id="rId5"/>
-    <p:sldId id="262" r:id="rId6"/>
-    <p:sldId id="264" r:id="rId7"/>
-    <p:sldId id="265" r:id="rId8"/>
+    <p:sldId id="266" r:id="rId4"/>
+    <p:sldId id="261" r:id="rId5"/>
+    <p:sldId id="263" r:id="rId6"/>
+    <p:sldId id="262" r:id="rId7"/>
+    <p:sldId id="264" r:id="rId8"/>
+    <p:sldId id="265" r:id="rId9"/>
   </p:sldIdLst>
   <p:sldSz cx="9144000" cy="5143500" type="screen16x9"/>
   <p:notesSz cx="6858000" cy="9144000"/>
@@ -3853,7 +3854,10 @@
               <a:rPr lang="de-DE" dirty="0" err="1"/>
               <a:t>Presentation</a:t>
             </a:r>
-            <a:endParaRPr lang="de-DE" dirty="0"/>
+            <a:r>
+              <a:rPr lang="de-DE" dirty="0"/>
+              <a:t> (1)</a:t>
+            </a:r>
           </a:p>
         </p:txBody>
       </p:sp>
@@ -3897,11 +3901,8 @@
             <a:endParaRPr lang="de-DE" dirty="0"/>
           </a:p>
           <a:p>
-            <a:endParaRPr lang="de-DE" dirty="0"/>
-          </a:p>
-          <a:p>
-            <a:r>
-              <a:rPr lang="de-DE" dirty="0"/>
+            <a:r>
+              <a:rPr lang="de-DE" sz="2400" dirty="0"/>
               <a:t>02.12.2021</a:t>
             </a:r>
           </a:p>
@@ -3960,25 +3961,14 @@
           <a:p>
             <a:r>
               <a:rPr lang="de-DE" dirty="0"/>
-              <a:t>Team Name</a:t>
-            </a:r>
-          </a:p>
-          <a:p>
-            <a:r>
-              <a:rPr lang="de-DE" dirty="0"/>
-              <a:t>Demo Code</a:t>
-            </a:r>
-          </a:p>
-          <a:p>
-            <a:r>
-              <a:rPr lang="de-DE" dirty="0"/>
-              <a:t>Demo </a:t>
-            </a:r>
-            <a:r>
-              <a:rPr lang="de-DE" dirty="0" err="1"/>
-              <a:t>Gif</a:t>
-            </a:r>
-            <a:endParaRPr lang="de-DE" dirty="0"/>
+              <a:t>Team Name, Working Progress</a:t>
+            </a:r>
+          </a:p>
+          <a:p>
+            <a:r>
+              <a:rPr lang="de-DE" dirty="0"/>
+              <a:t>Demo Code + Visuals</a:t>
+            </a:r>
           </a:p>
           <a:p>
             <a:r>
@@ -4070,7 +4060,7 @@
           <p:cNvPr id="2" name="Inhaltsplatzhalter 1">
             <a:extLst>
               <a:ext uri="{FF2B5EF4-FFF2-40B4-BE49-F238E27FC236}">
-                <a16:creationId xmlns:a16="http://schemas.microsoft.com/office/drawing/2014/main" id="{39997EB0-3ABE-4967-9A4A-1DDDFE6AF777}"/>
+                <a16:creationId xmlns:a16="http://schemas.microsoft.com/office/drawing/2014/main" id="{6757B553-7820-459B-897E-D7470A634841}"/>
               </a:ext>
             </a:extLst>
           </p:cNvPr>
@@ -4087,12 +4077,16 @@
           <a:lstStyle/>
           <a:p>
             <a:r>
-              <a:rPr lang="de-DE" dirty="0"/>
-              <a:t>Most </a:t>
-            </a:r>
-            <a:r>
-              <a:rPr lang="de-DE" dirty="0" err="1"/>
-              <a:t>Important</a:t>
+              <a:rPr lang="de-DE" dirty="0" err="1"/>
+              <a:t>Getting</a:t>
+            </a:r>
+            <a:r>
+              <a:rPr lang="de-DE" dirty="0"/>
+              <a:t> an </a:t>
+            </a:r>
+            <a:r>
+              <a:rPr lang="de-DE" dirty="0" err="1"/>
+              <a:t>agent</a:t>
             </a:r>
             <a:r>
               <a:rPr lang="de-DE" dirty="0"/>
@@ -4100,20 +4094,187 @@
             </a:r>
             <a:r>
               <a:rPr lang="de-DE" dirty="0" err="1"/>
-              <a:t>part</a:t>
-            </a:r>
-            <a:r>
-              <a:rPr lang="de-DE" dirty="0"/>
-              <a:t>:</a:t>
-            </a:r>
-          </a:p>
-          <a:p>
+              <a:t>to</a:t>
+            </a:r>
+            <a:r>
+              <a:rPr lang="de-DE" dirty="0"/>
+              <a:t> </a:t>
+            </a:r>
+            <a:r>
+              <a:rPr lang="de-DE" dirty="0" err="1"/>
+              <a:t>move</a:t>
+            </a:r>
             <a:endParaRPr lang="de-DE" dirty="0"/>
           </a:p>
           <a:p>
-            <a:r>
-              <a:rPr lang="de-DE" dirty="0" err="1"/>
-              <a:t>TotallyNotSpies</a:t>
+            <a:pPr lvl="1"/>
+            <a:r>
+              <a:rPr lang="de-DE" dirty="0" err="1"/>
+              <a:t>Getting</a:t>
+            </a:r>
+            <a:r>
+              <a:rPr lang="de-DE" dirty="0"/>
+              <a:t> all </a:t>
+            </a:r>
+            <a:r>
+              <a:rPr lang="de-DE" dirty="0" err="1"/>
+              <a:t>agents</a:t>
+            </a:r>
+            <a:r>
+              <a:rPr lang="de-DE" dirty="0"/>
+              <a:t> </a:t>
+            </a:r>
+            <a:r>
+              <a:rPr lang="de-DE" dirty="0" err="1"/>
+              <a:t>to</a:t>
+            </a:r>
+            <a:r>
+              <a:rPr lang="de-DE" dirty="0"/>
+              <a:t> </a:t>
+            </a:r>
+            <a:r>
+              <a:rPr lang="de-DE" dirty="0" err="1"/>
+              <a:t>move</a:t>
+            </a:r>
+            <a:r>
+              <a:rPr lang="de-DE" dirty="0"/>
+              <a:t> (</a:t>
+            </a:r>
+            <a:r>
+              <a:rPr lang="de-DE" dirty="0" err="1"/>
+              <a:t>random</a:t>
+            </a:r>
+            <a:r>
+              <a:rPr lang="de-DE" dirty="0"/>
+              <a:t>)</a:t>
+            </a:r>
+          </a:p>
+          <a:p>
+            <a:r>
+              <a:rPr lang="de-DE" dirty="0" err="1"/>
+              <a:t>Getting</a:t>
+            </a:r>
+            <a:r>
+              <a:rPr lang="de-DE" dirty="0"/>
+              <a:t> </a:t>
+            </a:r>
+            <a:r>
+              <a:rPr lang="de-DE" dirty="0" err="1"/>
+              <a:t>agents</a:t>
+            </a:r>
+            <a:r>
+              <a:rPr lang="de-DE" dirty="0"/>
+              <a:t> </a:t>
+            </a:r>
+            <a:r>
+              <a:rPr lang="de-DE" dirty="0" err="1"/>
+              <a:t>to</a:t>
+            </a:r>
+            <a:r>
+              <a:rPr lang="de-DE" dirty="0"/>
+              <a:t> </a:t>
+            </a:r>
+            <a:r>
+              <a:rPr lang="de-DE" dirty="0" err="1"/>
+              <a:t>see</a:t>
+            </a:r>
+            <a:r>
+              <a:rPr lang="de-DE" dirty="0"/>
+              <a:t> </a:t>
+            </a:r>
+            <a:r>
+              <a:rPr lang="de-DE" dirty="0" err="1"/>
+              <a:t>tasks</a:t>
+            </a:r>
+            <a:endParaRPr lang="de-DE" dirty="0"/>
+          </a:p>
+          <a:p>
+            <a:pPr lvl="1"/>
+            <a:r>
+              <a:rPr lang="de-DE" dirty="0" err="1"/>
+              <a:t>Implementing</a:t>
+            </a:r>
+            <a:r>
+              <a:rPr lang="de-DE" dirty="0"/>
+              <a:t> a </a:t>
+            </a:r>
+            <a:r>
+              <a:rPr lang="de-DE" dirty="0" err="1"/>
+              <a:t>way</a:t>
+            </a:r>
+            <a:r>
+              <a:rPr lang="de-DE" dirty="0"/>
+              <a:t> </a:t>
+            </a:r>
+            <a:r>
+              <a:rPr lang="de-DE" dirty="0" err="1"/>
+              <a:t>to</a:t>
+            </a:r>
+            <a:r>
+              <a:rPr lang="de-DE" dirty="0"/>
+              <a:t> </a:t>
+            </a:r>
+            <a:r>
+              <a:rPr lang="de-DE" dirty="0" err="1"/>
+              <a:t>get</a:t>
+            </a:r>
+            <a:r>
+              <a:rPr lang="de-DE" dirty="0"/>
+              <a:t> </a:t>
+            </a:r>
+            <a:r>
+              <a:rPr lang="de-DE" dirty="0" err="1"/>
+              <a:t>close</a:t>
+            </a:r>
+            <a:r>
+              <a:rPr lang="de-DE" dirty="0"/>
+              <a:t> </a:t>
+            </a:r>
+            <a:r>
+              <a:rPr lang="de-DE" dirty="0" err="1"/>
+              <a:t>enough</a:t>
+            </a:r>
+            <a:endParaRPr lang="de-DE" dirty="0"/>
+          </a:p>
+          <a:p>
+            <a:pPr lvl="1"/>
+            <a:r>
+              <a:rPr lang="de-DE" dirty="0" err="1"/>
+              <a:t>Accepting</a:t>
+            </a:r>
+            <a:r>
+              <a:rPr lang="de-DE" dirty="0"/>
+              <a:t> Tasks</a:t>
+            </a:r>
+          </a:p>
+          <a:p>
+            <a:r>
+              <a:rPr lang="de-DE" dirty="0" err="1"/>
+              <a:t>Thinking</a:t>
+            </a:r>
+            <a:r>
+              <a:rPr lang="de-DE" dirty="0"/>
+              <a:t> </a:t>
+            </a:r>
+            <a:r>
+              <a:rPr lang="de-DE" dirty="0" err="1"/>
+              <a:t>of</a:t>
+            </a:r>
+            <a:r>
+              <a:rPr lang="de-DE" dirty="0"/>
+              <a:t> a </a:t>
+            </a:r>
+            <a:r>
+              <a:rPr lang="de-DE" dirty="0" err="1"/>
+              <a:t>team</a:t>
+            </a:r>
+            <a:r>
+              <a:rPr lang="de-DE" dirty="0"/>
+              <a:t> </a:t>
+            </a:r>
+            <a:r>
+              <a:rPr lang="de-DE" dirty="0" err="1"/>
+              <a:t>name</a:t>
             </a:r>
             <a:endParaRPr lang="de-DE" dirty="0"/>
           </a:p>
@@ -4124,7 +4285,7 @@
           <p:cNvPr id="3" name="Titel 2">
             <a:extLst>
               <a:ext uri="{FF2B5EF4-FFF2-40B4-BE49-F238E27FC236}">
-                <a16:creationId xmlns:a16="http://schemas.microsoft.com/office/drawing/2014/main" id="{14655D00-C240-456B-BA42-35BDBEE2CFC0}"/>
+                <a16:creationId xmlns:a16="http://schemas.microsoft.com/office/drawing/2014/main" id="{38B6A604-5B0B-406B-B218-87B2862416CE}"/>
               </a:ext>
             </a:extLst>
           </p:cNvPr>
@@ -4142,7 +4303,7 @@
           <a:p>
             <a:r>
               <a:rPr lang="de-DE" dirty="0"/>
-              <a:t>Team Name</a:t>
+              <a:t>Working Progress</a:t>
             </a:r>
           </a:p>
         </p:txBody>
@@ -4150,7 +4311,7 @@
     </p:spTree>
     <p:extLst>
       <p:ext uri="{BB962C8B-B14F-4D97-AF65-F5344CB8AC3E}">
-        <p14:creationId xmlns:p14="http://schemas.microsoft.com/office/powerpoint/2010/main" val="56435952"/>
+        <p14:creationId xmlns:p14="http://schemas.microsoft.com/office/powerpoint/2010/main" val="3407102268"/>
       </p:ext>
     </p:extLst>
   </p:cSld>
@@ -4182,7 +4343,7 @@
           <p:cNvPr id="2" name="Inhaltsplatzhalter 1">
             <a:extLst>
               <a:ext uri="{FF2B5EF4-FFF2-40B4-BE49-F238E27FC236}">
-                <a16:creationId xmlns:a16="http://schemas.microsoft.com/office/drawing/2014/main" id="{CC4BEFD9-4841-4AEB-A992-7DCF29832556}"/>
+                <a16:creationId xmlns:a16="http://schemas.microsoft.com/office/drawing/2014/main" id="{39997EB0-3ABE-4967-9A4A-1DDDFE6AF777}"/>
               </a:ext>
             </a:extLst>
           </p:cNvPr>
@@ -4198,7 +4359,43 @@
           <a:bodyPr/>
           <a:lstStyle/>
           <a:p>
-            <a:endParaRPr lang="de-DE"/>
+            <a:r>
+              <a:rPr lang="de-DE" dirty="0" err="1"/>
+              <a:t>TotallyNotSpies</a:t>
+            </a:r>
+            <a:endParaRPr lang="de-DE" dirty="0"/>
+          </a:p>
+          <a:p>
+            <a:pPr lvl="1"/>
+            <a:r>
+              <a:rPr lang="de-DE" dirty="0" err="1"/>
+              <a:t>Cause</a:t>
+            </a:r>
+            <a:r>
+              <a:rPr lang="de-DE" dirty="0"/>
+              <a:t> </a:t>
+            </a:r>
+            <a:r>
+              <a:rPr lang="de-DE" dirty="0" err="1"/>
+              <a:t>they´re</a:t>
+            </a:r>
+            <a:r>
+              <a:rPr lang="de-DE" dirty="0"/>
+              <a:t> </a:t>
+            </a:r>
+            <a:r>
+              <a:rPr lang="de-DE" dirty="0" err="1"/>
+              <a:t>agents</a:t>
+            </a:r>
+            <a:r>
+              <a:rPr lang="de-DE" dirty="0"/>
+              <a:t> </a:t>
+            </a:r>
+            <a:r>
+              <a:rPr lang="de-DE" dirty="0" err="1"/>
+              <a:t>xD</a:t>
+            </a:r>
+            <a:endParaRPr lang="de-DE" dirty="0"/>
           </a:p>
         </p:txBody>
       </p:sp>
@@ -4207,7 +4404,7 @@
           <p:cNvPr id="3" name="Titel 2">
             <a:extLst>
               <a:ext uri="{FF2B5EF4-FFF2-40B4-BE49-F238E27FC236}">
-                <a16:creationId xmlns:a16="http://schemas.microsoft.com/office/drawing/2014/main" id="{972D5465-6CA9-4B39-8D6A-ECC667F012D0}"/>
+                <a16:creationId xmlns:a16="http://schemas.microsoft.com/office/drawing/2014/main" id="{14655D00-C240-456B-BA42-35BDBEE2CFC0}"/>
               </a:ext>
             </a:extLst>
           </p:cNvPr>
@@ -4225,7 +4422,23 @@
           <a:p>
             <a:r>
               <a:rPr lang="de-DE" dirty="0"/>
-              <a:t>Code</a:t>
+              <a:t>Most </a:t>
+            </a:r>
+            <a:r>
+              <a:rPr lang="de-DE" dirty="0" err="1"/>
+              <a:t>Important</a:t>
+            </a:r>
+            <a:r>
+              <a:rPr lang="de-DE" dirty="0"/>
+              <a:t> </a:t>
+            </a:r>
+            <a:r>
+              <a:rPr lang="de-DE" dirty="0" err="1"/>
+              <a:t>part</a:t>
+            </a:r>
+            <a:r>
+              <a:rPr lang="de-DE" dirty="0"/>
+              <a:t>: Team Name</a:t>
             </a:r>
           </a:p>
         </p:txBody>
@@ -4233,7 +4446,7 @@
     </p:spTree>
     <p:extLst>
       <p:ext uri="{BB962C8B-B14F-4D97-AF65-F5344CB8AC3E}">
-        <p14:creationId xmlns:p14="http://schemas.microsoft.com/office/powerpoint/2010/main" val="660741520"/>
+        <p14:creationId xmlns:p14="http://schemas.microsoft.com/office/powerpoint/2010/main" val="56435952"/>
       </p:ext>
     </p:extLst>
   </p:cSld>
@@ -4265,7 +4478,7 @@
           <p:cNvPr id="2" name="Inhaltsplatzhalter 1">
             <a:extLst>
               <a:ext uri="{FF2B5EF4-FFF2-40B4-BE49-F238E27FC236}">
-                <a16:creationId xmlns:a16="http://schemas.microsoft.com/office/drawing/2014/main" id="{8ADC3683-0E55-4C33-9A67-3AA0C2B4DC09}"/>
+                <a16:creationId xmlns:a16="http://schemas.microsoft.com/office/drawing/2014/main" id="{CC4BEFD9-4841-4AEB-A992-7DCF29832556}"/>
               </a:ext>
             </a:extLst>
           </p:cNvPr>
@@ -4283,8 +4496,35 @@
           <a:p>
             <a:r>
               <a:rPr lang="de-DE" dirty="0"/>
-              <a:t>GIF</a:t>
-            </a:r>
+              <a:t>Live-Demo</a:t>
+            </a:r>
+          </a:p>
+          <a:p>
+            <a:r>
+              <a:rPr lang="de-DE" dirty="0" err="1"/>
+              <a:t>Git</a:t>
+            </a:r>
+            <a:r>
+              <a:rPr lang="de-DE" dirty="0"/>
+              <a:t>:</a:t>
+            </a:r>
+          </a:p>
+          <a:p>
+            <a:pPr lvl="1"/>
+            <a:r>
+              <a:rPr lang="de-DE" dirty="0"/>
+              <a:t> </a:t>
+            </a:r>
+            <a:r>
+              <a:rPr lang="de-DE" dirty="0">
+                <a:hlinkClick r:id="rId2"/>
+              </a:rPr>
+              <a:t>https://github.com/DieMango/PiB_Bri_Och/</a:t>
+            </a:r>
+            <a:endParaRPr lang="de-DE" dirty="0"/>
+          </a:p>
+          <a:p>
+            <a:endParaRPr lang="de-DE" dirty="0"/>
           </a:p>
         </p:txBody>
       </p:sp>
@@ -4293,7 +4533,7 @@
           <p:cNvPr id="3" name="Titel 2">
             <a:extLst>
               <a:ext uri="{FF2B5EF4-FFF2-40B4-BE49-F238E27FC236}">
-                <a16:creationId xmlns:a16="http://schemas.microsoft.com/office/drawing/2014/main" id="{C05D9E19-D965-4B26-AD97-3E6D618E467A}"/>
+                <a16:creationId xmlns:a16="http://schemas.microsoft.com/office/drawing/2014/main" id="{972D5465-6CA9-4B39-8D6A-ECC667F012D0}"/>
               </a:ext>
             </a:extLst>
           </p:cNvPr>
@@ -4311,7 +4551,7 @@
           <a:p>
             <a:r>
               <a:rPr lang="de-DE" dirty="0"/>
-              <a:t>Visuals</a:t>
+              <a:t>Code</a:t>
             </a:r>
           </a:p>
         </p:txBody>
@@ -4319,7 +4559,7 @@
     </p:spTree>
     <p:extLst>
       <p:ext uri="{BB962C8B-B14F-4D97-AF65-F5344CB8AC3E}">
-        <p14:creationId xmlns:p14="http://schemas.microsoft.com/office/powerpoint/2010/main" val="1321363318"/>
+        <p14:creationId xmlns:p14="http://schemas.microsoft.com/office/powerpoint/2010/main" val="660741520"/>
       </p:ext>
     </p:extLst>
   </p:cSld>
@@ -4351,7 +4591,7 @@
           <p:cNvPr id="2" name="Inhaltsplatzhalter 1">
             <a:extLst>
               <a:ext uri="{FF2B5EF4-FFF2-40B4-BE49-F238E27FC236}">
-                <a16:creationId xmlns:a16="http://schemas.microsoft.com/office/drawing/2014/main" id="{008CDEC1-D24F-4BEA-A08D-9243A2CDBD66}"/>
+                <a16:creationId xmlns:a16="http://schemas.microsoft.com/office/drawing/2014/main" id="{8ADC3683-0E55-4C33-9A67-3AA0C2B4DC09}"/>
               </a:ext>
             </a:extLst>
           </p:cNvPr>
@@ -4367,7 +4607,10 @@
           <a:bodyPr/>
           <a:lstStyle/>
           <a:p>
-            <a:endParaRPr lang="de-DE" dirty="0"/>
+            <a:r>
+              <a:rPr lang="de-DE" dirty="0"/>
+              <a:t>GIF</a:t>
+            </a:r>
           </a:p>
         </p:txBody>
       </p:sp>
@@ -4376,7 +4619,7 @@
           <p:cNvPr id="3" name="Titel 2">
             <a:extLst>
               <a:ext uri="{FF2B5EF4-FFF2-40B4-BE49-F238E27FC236}">
-                <a16:creationId xmlns:a16="http://schemas.microsoft.com/office/drawing/2014/main" id="{EB0B8C7E-677A-42E5-9DD8-C88FDAFCB412}"/>
+                <a16:creationId xmlns:a16="http://schemas.microsoft.com/office/drawing/2014/main" id="{C05D9E19-D965-4B26-AD97-3E6D618E467A}"/>
               </a:ext>
             </a:extLst>
           </p:cNvPr>
@@ -4393,17 +4636,16 @@
           <a:lstStyle/>
           <a:p>
             <a:r>
-              <a:rPr lang="de-DE" dirty="0" err="1"/>
-              <a:t>Difficulties</a:t>
-            </a:r>
-            <a:endParaRPr lang="de-DE" dirty="0"/>
+              <a:rPr lang="de-DE" dirty="0"/>
+              <a:t>Visuals</a:t>
+            </a:r>
           </a:p>
         </p:txBody>
       </p:sp>
     </p:spTree>
     <p:extLst>
       <p:ext uri="{BB962C8B-B14F-4D97-AF65-F5344CB8AC3E}">
-        <p14:creationId xmlns:p14="http://schemas.microsoft.com/office/powerpoint/2010/main" val="4096122012"/>
+        <p14:creationId xmlns:p14="http://schemas.microsoft.com/office/powerpoint/2010/main" val="1321363318"/>
       </p:ext>
     </p:extLst>
   </p:cSld>
@@ -4435,6 +4677,212 @@
           <p:cNvPr id="2" name="Inhaltsplatzhalter 1">
             <a:extLst>
               <a:ext uri="{FF2B5EF4-FFF2-40B4-BE49-F238E27FC236}">
+                <a16:creationId xmlns:a16="http://schemas.microsoft.com/office/drawing/2014/main" id="{008CDEC1-D24F-4BEA-A08D-9243A2CDBD66}"/>
+              </a:ext>
+            </a:extLst>
+          </p:cNvPr>
+          <p:cNvSpPr>
+            <a:spLocks noGrp="1"/>
+          </p:cNvSpPr>
+          <p:nvPr>
+            <p:ph idx="1"/>
+          </p:nvPr>
+        </p:nvSpPr>
+        <p:spPr/>
+        <p:txBody>
+          <a:bodyPr/>
+          <a:lstStyle/>
+          <a:p>
+            <a:r>
+              <a:rPr lang="de-DE" dirty="0"/>
+              <a:t>A </a:t>
+            </a:r>
+            <a:r>
+              <a:rPr lang="de-DE" dirty="0" err="1"/>
+              <a:t>lot</a:t>
+            </a:r>
+            <a:r>
+              <a:rPr lang="de-DE" dirty="0"/>
+              <a:t> </a:t>
+            </a:r>
+            <a:r>
+              <a:rPr lang="de-DE" dirty="0" err="1"/>
+              <a:t>of</a:t>
+            </a:r>
+            <a:r>
+              <a:rPr lang="de-DE" dirty="0"/>
+              <a:t> </a:t>
+            </a:r>
+            <a:r>
+              <a:rPr lang="de-DE" dirty="0" err="1"/>
+              <a:t>trial</a:t>
+            </a:r>
+            <a:r>
+              <a:rPr lang="de-DE" dirty="0"/>
+              <a:t> and </a:t>
+            </a:r>
+            <a:r>
+              <a:rPr lang="de-DE" dirty="0" err="1"/>
+              <a:t>error</a:t>
+            </a:r>
+            <a:endParaRPr lang="de-DE" dirty="0"/>
+          </a:p>
+          <a:p>
+            <a:r>
+              <a:rPr lang="de-DE" dirty="0" err="1"/>
+              <a:t>Getting</a:t>
+            </a:r>
+            <a:r>
+              <a:rPr lang="de-DE" dirty="0"/>
+              <a:t> </a:t>
+            </a:r>
+            <a:r>
+              <a:rPr lang="de-DE" dirty="0" err="1"/>
+              <a:t>used</a:t>
+            </a:r>
+            <a:r>
+              <a:rPr lang="de-DE" dirty="0"/>
+              <a:t> </a:t>
+            </a:r>
+            <a:r>
+              <a:rPr lang="de-DE" dirty="0" err="1"/>
+              <a:t>to</a:t>
+            </a:r>
+            <a:r>
+              <a:rPr lang="de-DE" dirty="0"/>
+              <a:t> </a:t>
+            </a:r>
+            <a:r>
+              <a:rPr lang="de-DE" dirty="0" err="1"/>
+              <a:t>the</a:t>
+            </a:r>
+            <a:r>
+              <a:rPr lang="de-DE" dirty="0"/>
+              <a:t> </a:t>
+            </a:r>
+            <a:r>
+              <a:rPr lang="de-DE" dirty="0" err="1"/>
+              <a:t>working</a:t>
+            </a:r>
+            <a:r>
+              <a:rPr lang="de-DE" dirty="0"/>
+              <a:t> </a:t>
+            </a:r>
+            <a:r>
+              <a:rPr lang="de-DE" dirty="0" err="1"/>
+              <a:t>progress</a:t>
+            </a:r>
+            <a:r>
+              <a:rPr lang="de-DE" dirty="0"/>
+              <a:t> and </a:t>
+            </a:r>
+            <a:r>
+              <a:rPr lang="de-DE" dirty="0" err="1"/>
+              <a:t>software</a:t>
+            </a:r>
+            <a:endParaRPr lang="de-DE" dirty="0"/>
+          </a:p>
+          <a:p>
+            <a:r>
+              <a:rPr lang="de-DE" dirty="0" err="1"/>
+              <a:t>Seemingly</a:t>
+            </a:r>
+            <a:r>
+              <a:rPr lang="de-DE" dirty="0"/>
+              <a:t> </a:t>
+            </a:r>
+            <a:r>
+              <a:rPr lang="de-DE" dirty="0" err="1"/>
+              <a:t>random</a:t>
+            </a:r>
+            <a:r>
+              <a:rPr lang="de-DE" dirty="0"/>
+              <a:t> </a:t>
+            </a:r>
+            <a:r>
+              <a:rPr lang="de-DE" dirty="0" err="1"/>
+              <a:t>errors</a:t>
+            </a:r>
+            <a:endParaRPr lang="de-DE" dirty="0"/>
+          </a:p>
+          <a:p>
+            <a:r>
+              <a:rPr lang="de-DE" dirty="0"/>
+              <a:t>…</a:t>
+            </a:r>
+          </a:p>
+          <a:p>
+            <a:endParaRPr lang="de-DE" dirty="0"/>
+          </a:p>
+          <a:p>
+            <a:endParaRPr lang="de-DE" dirty="0"/>
+          </a:p>
+        </p:txBody>
+      </p:sp>
+      <p:sp>
+        <p:nvSpPr>
+          <p:cNvPr id="3" name="Titel 2">
+            <a:extLst>
+              <a:ext uri="{FF2B5EF4-FFF2-40B4-BE49-F238E27FC236}">
+                <a16:creationId xmlns:a16="http://schemas.microsoft.com/office/drawing/2014/main" id="{EB0B8C7E-677A-42E5-9DD8-C88FDAFCB412}"/>
+              </a:ext>
+            </a:extLst>
+          </p:cNvPr>
+          <p:cNvSpPr>
+            <a:spLocks noGrp="1"/>
+          </p:cNvSpPr>
+          <p:nvPr>
+            <p:ph type="title"/>
+          </p:nvPr>
+        </p:nvSpPr>
+        <p:spPr/>
+        <p:txBody>
+          <a:bodyPr/>
+          <a:lstStyle/>
+          <a:p>
+            <a:r>
+              <a:rPr lang="de-DE" dirty="0" err="1"/>
+              <a:t>Difficulties</a:t>
+            </a:r>
+            <a:endParaRPr lang="de-DE" dirty="0"/>
+          </a:p>
+        </p:txBody>
+      </p:sp>
+    </p:spTree>
+    <p:extLst>
+      <p:ext uri="{BB962C8B-B14F-4D97-AF65-F5344CB8AC3E}">
+        <p14:creationId xmlns:p14="http://schemas.microsoft.com/office/powerpoint/2010/main" val="4096122012"/>
+      </p:ext>
+    </p:extLst>
+  </p:cSld>
+  <p:clrMapOvr>
+    <a:masterClrMapping/>
+  </p:clrMapOvr>
+</p:sld>
+</file>
+
+<file path=ppt/slides/slide8.xml><?xml version="1.0" encoding="utf-8"?>
+<p:sld xmlns:a="http://schemas.openxmlformats.org/drawingml/2006/main" xmlns:r="http://schemas.openxmlformats.org/officeDocument/2006/relationships" xmlns:p="http://schemas.openxmlformats.org/presentationml/2006/main">
+  <p:cSld>
+    <p:spTree>
+      <p:nvGrpSpPr>
+        <p:cNvPr id="1" name=""/>
+        <p:cNvGrpSpPr/>
+        <p:nvPr/>
+      </p:nvGrpSpPr>
+      <p:grpSpPr>
+        <a:xfrm>
+          <a:off x="0" y="0"/>
+          <a:ext cx="0" cy="0"/>
+          <a:chOff x="0" y="0"/>
+          <a:chExt cx="0" cy="0"/>
+        </a:xfrm>
+      </p:grpSpPr>
+      <p:sp>
+        <p:nvSpPr>
+          <p:cNvPr id="2" name="Inhaltsplatzhalter 1">
+            <a:extLst>
+              <a:ext uri="{FF2B5EF4-FFF2-40B4-BE49-F238E27FC236}">
                 <a16:creationId xmlns:a16="http://schemas.microsoft.com/office/drawing/2014/main" id="{4C74136E-BBAB-4004-A45E-E3D2461479AB}"/>
               </a:ext>
             </a:extLst>
@@ -4450,6 +4898,170 @@
         <p:txBody>
           <a:bodyPr/>
           <a:lstStyle/>
+          <a:p>
+            <a:r>
+              <a:rPr lang="de-DE" dirty="0" err="1"/>
+              <a:t>Getting</a:t>
+            </a:r>
+            <a:r>
+              <a:rPr lang="de-DE" dirty="0"/>
+              <a:t> </a:t>
+            </a:r>
+            <a:r>
+              <a:rPr lang="de-DE" dirty="0" err="1"/>
+              <a:t>the</a:t>
+            </a:r>
+            <a:r>
+              <a:rPr lang="de-DE" dirty="0"/>
+              <a:t> </a:t>
+            </a:r>
+            <a:r>
+              <a:rPr lang="de-DE" dirty="0" err="1"/>
+              <a:t>agents</a:t>
+            </a:r>
+            <a:r>
+              <a:rPr lang="de-DE" dirty="0"/>
+              <a:t> </a:t>
+            </a:r>
+            <a:r>
+              <a:rPr lang="de-DE" dirty="0" err="1"/>
+              <a:t>to</a:t>
+            </a:r>
+            <a:r>
+              <a:rPr lang="de-DE" dirty="0"/>
+              <a:t> </a:t>
+            </a:r>
+            <a:r>
+              <a:rPr lang="de-DE" dirty="0" err="1"/>
+              <a:t>leave</a:t>
+            </a:r>
+            <a:r>
+              <a:rPr lang="de-DE" dirty="0"/>
+              <a:t> </a:t>
+            </a:r>
+            <a:r>
+              <a:rPr lang="de-DE" dirty="0" err="1"/>
+              <a:t>the</a:t>
+            </a:r>
+            <a:r>
+              <a:rPr lang="de-DE" dirty="0"/>
+              <a:t> </a:t>
+            </a:r>
+            <a:r>
+              <a:rPr lang="de-DE" dirty="0" err="1"/>
+              <a:t>task</a:t>
+            </a:r>
+            <a:r>
+              <a:rPr lang="de-DE" dirty="0"/>
+              <a:t> block after </a:t>
+            </a:r>
+            <a:r>
+              <a:rPr lang="de-DE" dirty="0" err="1"/>
+              <a:t>getting</a:t>
+            </a:r>
+            <a:r>
+              <a:rPr lang="de-DE" dirty="0"/>
+              <a:t> a </a:t>
+            </a:r>
+            <a:r>
+              <a:rPr lang="de-DE" dirty="0" err="1"/>
+              <a:t>task</a:t>
+            </a:r>
+            <a:r>
+              <a:rPr lang="de-DE" dirty="0"/>
+              <a:t> </a:t>
+            </a:r>
+          </a:p>
+          <a:p>
+            <a:r>
+              <a:rPr lang="de-DE" dirty="0"/>
+              <a:t>More </a:t>
+            </a:r>
+            <a:r>
+              <a:rPr lang="de-DE" dirty="0" err="1"/>
+              <a:t>efficient</a:t>
+            </a:r>
+            <a:r>
+              <a:rPr lang="de-DE" dirty="0"/>
+              <a:t> </a:t>
+            </a:r>
+            <a:r>
+              <a:rPr lang="de-DE" dirty="0" err="1"/>
+              <a:t>pathing</a:t>
+            </a:r>
+            <a:r>
+              <a:rPr lang="de-DE" dirty="0"/>
+              <a:t> </a:t>
+            </a:r>
+            <a:r>
+              <a:rPr lang="de-DE" dirty="0" err="1"/>
+              <a:t>towards</a:t>
+            </a:r>
+            <a:r>
+              <a:rPr lang="de-DE" dirty="0"/>
+              <a:t> </a:t>
+            </a:r>
+            <a:r>
+              <a:rPr lang="de-DE" dirty="0" err="1"/>
+              <a:t>tasks</a:t>
+            </a:r>
+            <a:endParaRPr lang="de-DE" dirty="0"/>
+          </a:p>
+          <a:p>
+            <a:pPr lvl="1"/>
+            <a:r>
+              <a:rPr lang="de-DE" dirty="0"/>
+              <a:t>(</a:t>
+            </a:r>
+            <a:r>
+              <a:rPr lang="de-DE" dirty="0" err="1"/>
+              <a:t>eg</a:t>
+            </a:r>
+            <a:r>
+              <a:rPr lang="de-DE" dirty="0"/>
+              <a:t> </a:t>
+            </a:r>
+            <a:r>
+              <a:rPr lang="de-DE" dirty="0" err="1"/>
+              <a:t>avoiding</a:t>
+            </a:r>
+            <a:r>
+              <a:rPr lang="de-DE" dirty="0"/>
+              <a:t> </a:t>
+            </a:r>
+            <a:r>
+              <a:rPr lang="de-DE" dirty="0" err="1"/>
+              <a:t>obstacles</a:t>
+            </a:r>
+            <a:r>
+              <a:rPr lang="de-DE" dirty="0"/>
+              <a:t> like </a:t>
+            </a:r>
+            <a:r>
+              <a:rPr lang="de-DE" dirty="0" err="1"/>
+              <a:t>other</a:t>
+            </a:r>
+            <a:r>
+              <a:rPr lang="de-DE" dirty="0"/>
+              <a:t> </a:t>
+            </a:r>
+            <a:r>
+              <a:rPr lang="de-DE" dirty="0" err="1"/>
+              <a:t>agents</a:t>
+            </a:r>
+            <a:r>
+              <a:rPr lang="de-DE" dirty="0"/>
+              <a:t>/ </a:t>
+            </a:r>
+            <a:r>
+              <a:rPr lang="de-DE" dirty="0" err="1"/>
+              <a:t>enviroment</a:t>
+            </a:r>
+            <a:r>
+              <a:rPr lang="de-DE" dirty="0"/>
+              <a:t>)</a:t>
+            </a:r>
+          </a:p>
           <a:p>
             <a:endParaRPr lang="de-DE" dirty="0"/>
           </a:p>

--- a/Milestone1 Presentation.pptx
+++ b/Milestone1 Presentation.pptx
@@ -4900,167 +4900,285 @@
           <a:lstStyle/>
           <a:p>
             <a:r>
-              <a:rPr lang="de-DE" dirty="0" err="1"/>
+              <a:rPr lang="de-DE" sz="2600" dirty="0" err="1"/>
               <a:t>Getting</a:t>
             </a:r>
             <a:r>
-              <a:rPr lang="de-DE" dirty="0"/>
+              <a:rPr lang="de-DE" sz="2600" dirty="0"/>
               <a:t> </a:t>
             </a:r>
             <a:r>
-              <a:rPr lang="de-DE" dirty="0" err="1"/>
+              <a:rPr lang="de-DE" sz="2600" dirty="0" err="1"/>
               <a:t>the</a:t>
             </a:r>
             <a:r>
-              <a:rPr lang="de-DE" dirty="0"/>
+              <a:rPr lang="de-DE" sz="2600" dirty="0"/>
               <a:t> </a:t>
             </a:r>
             <a:r>
-              <a:rPr lang="de-DE" dirty="0" err="1"/>
+              <a:rPr lang="de-DE" sz="2600" dirty="0" err="1"/>
               <a:t>agents</a:t>
             </a:r>
             <a:r>
-              <a:rPr lang="de-DE" dirty="0"/>
+              <a:rPr lang="de-DE" sz="2600" dirty="0"/>
               <a:t> </a:t>
             </a:r>
             <a:r>
-              <a:rPr lang="de-DE" dirty="0" err="1"/>
+              <a:rPr lang="de-DE" sz="2600" dirty="0" err="1"/>
               <a:t>to</a:t>
             </a:r>
             <a:r>
-              <a:rPr lang="de-DE" dirty="0"/>
+              <a:rPr lang="de-DE" sz="2600" dirty="0"/>
               <a:t> </a:t>
             </a:r>
             <a:r>
-              <a:rPr lang="de-DE" dirty="0" err="1"/>
+              <a:rPr lang="de-DE" sz="2600" dirty="0" err="1"/>
               <a:t>leave</a:t>
             </a:r>
             <a:r>
-              <a:rPr lang="de-DE" dirty="0"/>
+              <a:rPr lang="de-DE" sz="2600" dirty="0"/>
               <a:t> </a:t>
             </a:r>
             <a:r>
-              <a:rPr lang="de-DE" dirty="0" err="1"/>
+              <a:rPr lang="de-DE" sz="2600" dirty="0" err="1"/>
               <a:t>the</a:t>
             </a:r>
             <a:r>
-              <a:rPr lang="de-DE" dirty="0"/>
+              <a:rPr lang="de-DE" sz="2600" dirty="0"/>
               <a:t> </a:t>
             </a:r>
             <a:r>
-              <a:rPr lang="de-DE" dirty="0" err="1"/>
+              <a:rPr lang="de-DE" sz="2600" dirty="0" err="1"/>
               <a:t>task</a:t>
             </a:r>
             <a:r>
-              <a:rPr lang="de-DE" dirty="0"/>
+              <a:rPr lang="de-DE" sz="2600" dirty="0"/>
               <a:t> block after </a:t>
             </a:r>
             <a:r>
-              <a:rPr lang="de-DE" dirty="0" err="1"/>
+              <a:rPr lang="de-DE" sz="2600" dirty="0" err="1"/>
               <a:t>getting</a:t>
             </a:r>
             <a:r>
-              <a:rPr lang="de-DE" dirty="0"/>
+              <a:rPr lang="de-DE" sz="2600" dirty="0"/>
               <a:t> a </a:t>
             </a:r>
             <a:r>
-              <a:rPr lang="de-DE" dirty="0" err="1"/>
+              <a:rPr lang="de-DE" sz="2600" dirty="0" err="1"/>
               <a:t>task</a:t>
             </a:r>
             <a:r>
-              <a:rPr lang="de-DE" dirty="0"/>
+              <a:rPr lang="de-DE" sz="2600" dirty="0"/>
               <a:t> </a:t>
             </a:r>
           </a:p>
           <a:p>
             <a:r>
-              <a:rPr lang="de-DE" dirty="0"/>
+              <a:rPr lang="de-DE" sz="2600" dirty="0"/>
               <a:t>More </a:t>
             </a:r>
             <a:r>
-              <a:rPr lang="de-DE" dirty="0" err="1"/>
+              <a:rPr lang="de-DE" sz="2600" dirty="0" err="1"/>
               <a:t>efficient</a:t>
             </a:r>
             <a:r>
-              <a:rPr lang="de-DE" dirty="0"/>
+              <a:rPr lang="de-DE" sz="2600" dirty="0"/>
               <a:t> </a:t>
             </a:r>
             <a:r>
-              <a:rPr lang="de-DE" dirty="0" err="1"/>
+              <a:rPr lang="de-DE" sz="2600" dirty="0" err="1"/>
               <a:t>pathing</a:t>
             </a:r>
             <a:r>
-              <a:rPr lang="de-DE" dirty="0"/>
+              <a:rPr lang="de-DE" sz="2600" dirty="0"/>
               <a:t> </a:t>
             </a:r>
             <a:r>
-              <a:rPr lang="de-DE" dirty="0" err="1"/>
+              <a:rPr lang="de-DE" sz="2600" dirty="0" err="1"/>
               <a:t>towards</a:t>
             </a:r>
             <a:r>
-              <a:rPr lang="de-DE" dirty="0"/>
+              <a:rPr lang="de-DE" sz="2600" dirty="0"/>
               <a:t> </a:t>
             </a:r>
             <a:r>
-              <a:rPr lang="de-DE" dirty="0" err="1"/>
+              <a:rPr lang="de-DE" sz="2600" dirty="0" err="1"/>
               <a:t>tasks</a:t>
             </a:r>
+            <a:endParaRPr lang="de-DE" sz="2600" dirty="0"/>
+          </a:p>
+          <a:p>
+            <a:pPr lvl="1"/>
+            <a:r>
+              <a:rPr lang="de-DE" sz="2400" dirty="0"/>
+              <a:t>(</a:t>
+            </a:r>
+            <a:r>
+              <a:rPr lang="de-DE" sz="2400" dirty="0" err="1"/>
+              <a:t>eg</a:t>
+            </a:r>
+            <a:r>
+              <a:rPr lang="de-DE" sz="2400" dirty="0"/>
+              <a:t> </a:t>
+            </a:r>
+            <a:r>
+              <a:rPr lang="de-DE" sz="2400" dirty="0" err="1"/>
+              <a:t>avoiding</a:t>
+            </a:r>
+            <a:r>
+              <a:rPr lang="de-DE" sz="2400" dirty="0"/>
+              <a:t> </a:t>
+            </a:r>
+            <a:r>
+              <a:rPr lang="de-DE" sz="2400" dirty="0" err="1"/>
+              <a:t>obstacles</a:t>
+            </a:r>
+            <a:r>
+              <a:rPr lang="de-DE" sz="2400" dirty="0"/>
+              <a:t> like </a:t>
+            </a:r>
+            <a:r>
+              <a:rPr lang="de-DE" sz="2400" dirty="0" err="1"/>
+              <a:t>other</a:t>
+            </a:r>
+            <a:r>
+              <a:rPr lang="de-DE" sz="2400" dirty="0"/>
+              <a:t> </a:t>
+            </a:r>
+            <a:r>
+              <a:rPr lang="de-DE" sz="2400" dirty="0" err="1"/>
+              <a:t>agents</a:t>
+            </a:r>
+            <a:r>
+              <a:rPr lang="de-DE" sz="2400" dirty="0"/>
+              <a:t>/ </a:t>
+            </a:r>
+            <a:r>
+              <a:rPr lang="de-DE" sz="2400" dirty="0" err="1"/>
+              <a:t>enviroment</a:t>
+            </a:r>
+            <a:r>
+              <a:rPr lang="de-DE" sz="2400" dirty="0"/>
+              <a:t>)</a:t>
+            </a:r>
+          </a:p>
+          <a:p>
+            <a:r>
+              <a:rPr lang="de-DE" sz="2600" dirty="0" err="1"/>
+              <a:t>Submitting</a:t>
+            </a:r>
+            <a:r>
+              <a:rPr lang="de-DE" sz="2600" dirty="0"/>
+              <a:t> single-block </a:t>
+            </a:r>
+            <a:r>
+              <a:rPr lang="de-DE" sz="2600" dirty="0" err="1"/>
+              <a:t>tasks</a:t>
+            </a:r>
+            <a:endParaRPr lang="de-DE" sz="2600" dirty="0"/>
+          </a:p>
+          <a:p>
+            <a:pPr lvl="1"/>
+            <a:r>
+              <a:rPr lang="de-DE" sz="2200" dirty="0"/>
+              <a:t>Grabbing (</a:t>
+            </a:r>
+            <a:r>
+              <a:rPr lang="de-DE" sz="2200" dirty="0" err="1"/>
+              <a:t>needed</a:t>
+            </a:r>
+            <a:r>
+              <a:rPr lang="de-DE" sz="2200" dirty="0"/>
+              <a:t>) </a:t>
+            </a:r>
+            <a:r>
+              <a:rPr lang="de-DE" sz="2200" dirty="0" err="1"/>
+              <a:t>blocks</a:t>
+            </a:r>
+            <a:r>
+              <a:rPr lang="de-DE" sz="2200" dirty="0"/>
+              <a:t> </a:t>
+            </a:r>
+            <a:r>
+              <a:rPr lang="de-DE" sz="2200" dirty="0" err="1"/>
+              <a:t>with</a:t>
+            </a:r>
+            <a:r>
+              <a:rPr lang="de-DE" sz="2200" dirty="0"/>
+              <a:t> an </a:t>
+            </a:r>
+            <a:r>
+              <a:rPr lang="de-DE" sz="2200" dirty="0" err="1"/>
+              <a:t>agent</a:t>
+            </a:r>
+            <a:endParaRPr lang="de-DE" sz="2200" dirty="0"/>
+          </a:p>
+          <a:p>
+            <a:pPr lvl="1"/>
+            <a:r>
+              <a:rPr lang="de-DE" sz="2200" dirty="0" err="1"/>
+              <a:t>Finding</a:t>
+            </a:r>
+            <a:r>
+              <a:rPr lang="de-DE" sz="2200" dirty="0"/>
+              <a:t> and </a:t>
+            </a:r>
+            <a:r>
+              <a:rPr lang="de-DE" sz="2200" dirty="0" err="1"/>
+              <a:t>reaching</a:t>
+            </a:r>
+            <a:r>
+              <a:rPr lang="de-DE" sz="2200" dirty="0"/>
+              <a:t> goal-</a:t>
+            </a:r>
+            <a:r>
+              <a:rPr lang="de-DE" sz="2200" dirty="0" err="1"/>
+              <a:t>zones</a:t>
+            </a:r>
+            <a:endParaRPr lang="de-DE" sz="2200" dirty="0"/>
+          </a:p>
+          <a:p>
+            <a:pPr lvl="2"/>
+            <a:r>
+              <a:rPr lang="de-DE" sz="2200" dirty="0" err="1"/>
+              <a:t>Storing</a:t>
+            </a:r>
+            <a:r>
+              <a:rPr lang="de-DE" sz="2200" dirty="0"/>
+              <a:t> </a:t>
+            </a:r>
+            <a:r>
+              <a:rPr lang="de-DE" sz="2200" dirty="0" err="1"/>
+              <a:t>positions</a:t>
+            </a:r>
+            <a:r>
+              <a:rPr lang="de-DE" sz="2200" dirty="0"/>
+              <a:t> </a:t>
+            </a:r>
+            <a:r>
+              <a:rPr lang="de-DE" sz="2200" dirty="0" err="1"/>
+              <a:t>of</a:t>
+            </a:r>
+            <a:r>
+              <a:rPr lang="de-DE" sz="2200" dirty="0"/>
+              <a:t> </a:t>
+            </a:r>
+            <a:r>
+              <a:rPr lang="de-DE" sz="2200" dirty="0" err="1"/>
+              <a:t>important</a:t>
+            </a:r>
+            <a:r>
+              <a:rPr lang="de-DE" sz="2200" dirty="0"/>
+              <a:t> </a:t>
+            </a:r>
+            <a:r>
+              <a:rPr lang="de-DE" sz="2200" dirty="0" err="1"/>
+              <a:t>entities</a:t>
+            </a:r>
+            <a:endParaRPr lang="de-DE" sz="2200" dirty="0"/>
+          </a:p>
+          <a:p>
             <a:endParaRPr lang="de-DE" dirty="0"/>
-          </a:p>
-          <a:p>
-            <a:pPr lvl="1"/>
-            <a:r>
-              <a:rPr lang="de-DE" dirty="0"/>
-              <a:t>(</a:t>
-            </a:r>
-            <a:r>
-              <a:rPr lang="de-DE" dirty="0" err="1"/>
-              <a:t>eg</a:t>
-            </a:r>
-            <a:r>
-              <a:rPr lang="de-DE" dirty="0"/>
-              <a:t> </a:t>
-            </a:r>
-            <a:r>
-              <a:rPr lang="de-DE" dirty="0" err="1"/>
-              <a:t>avoiding</a:t>
-            </a:r>
-            <a:r>
-              <a:rPr lang="de-DE" dirty="0"/>
-              <a:t> </a:t>
-            </a:r>
-            <a:r>
-              <a:rPr lang="de-DE" dirty="0" err="1"/>
-              <a:t>obstacles</a:t>
-            </a:r>
-            <a:r>
-              <a:rPr lang="de-DE" dirty="0"/>
-              <a:t> like </a:t>
-            </a:r>
-            <a:r>
-              <a:rPr lang="de-DE" dirty="0" err="1"/>
-              <a:t>other</a:t>
-            </a:r>
-            <a:r>
-              <a:rPr lang="de-DE" dirty="0"/>
-              <a:t> </a:t>
-            </a:r>
-            <a:r>
-              <a:rPr lang="de-DE" dirty="0" err="1"/>
-              <a:t>agents</a:t>
-            </a:r>
-            <a:r>
-              <a:rPr lang="de-DE" dirty="0"/>
-              <a:t>/ </a:t>
-            </a:r>
-            <a:r>
-              <a:rPr lang="de-DE" dirty="0" err="1"/>
-              <a:t>enviroment</a:t>
-            </a:r>
-            <a:r>
-              <a:rPr lang="de-DE" dirty="0"/>
-              <a:t>)</a:t>
-            </a:r>
           </a:p>
           <a:p>
             <a:endParaRPr lang="de-DE" dirty="0"/>

--- a/Milestone1 Presentation.pptx
+++ b/Milestone1 Presentation.pptx
@@ -5,10 +5,10 @@
     <p:sldMasterId id="2147483696" r:id="rId1"/>
   </p:sldMasterIdLst>
   <p:notesMasterIdLst>
-    <p:notesMasterId r:id="rId10"/>
+    <p:notesMasterId r:id="rId11"/>
   </p:notesMasterIdLst>
   <p:handoutMasterIdLst>
-    <p:handoutMasterId r:id="rId11"/>
+    <p:handoutMasterId r:id="rId12"/>
   </p:handoutMasterIdLst>
   <p:sldIdLst>
     <p:sldId id="256" r:id="rId2"/>
@@ -19,6 +19,7 @@
     <p:sldId id="262" r:id="rId7"/>
     <p:sldId id="264" r:id="rId8"/>
     <p:sldId id="265" r:id="rId9"/>
+    <p:sldId id="268" r:id="rId10"/>
   </p:sldIdLst>
   <p:sldSz cx="9144000" cy="5143500" type="screen16x9"/>
   <p:notesSz cx="6858000" cy="9144000"/>
@@ -773,6 +774,91 @@
     <p:extLst>
       <p:ext uri="{BB962C8B-B14F-4D97-AF65-F5344CB8AC3E}">
         <p14:creationId xmlns:p14="http://schemas.microsoft.com/office/powerpoint/2010/main" val="1975198015"/>
+      </p:ext>
+    </p:extLst>
+  </p:cSld>
+  <p:clrMapOvr>
+    <a:masterClrMapping/>
+  </p:clrMapOvr>
+</p:notes>
+</file>
+
+<file path=ppt/notesSlides/notesSlide2.xml><?xml version="1.0" encoding="utf-8"?>
+<p:notes xmlns:a="http://schemas.openxmlformats.org/drawingml/2006/main" xmlns:r="http://schemas.openxmlformats.org/officeDocument/2006/relationships" xmlns:p="http://schemas.openxmlformats.org/presentationml/2006/main">
+  <p:cSld>
+    <p:spTree>
+      <p:nvGrpSpPr>
+        <p:cNvPr id="1" name=""/>
+        <p:cNvGrpSpPr/>
+        <p:nvPr/>
+      </p:nvGrpSpPr>
+      <p:grpSpPr>
+        <a:xfrm>
+          <a:off x="0" y="0"/>
+          <a:ext cx="0" cy="0"/>
+          <a:chOff x="0" y="0"/>
+          <a:chExt cx="0" cy="0"/>
+        </a:xfrm>
+      </p:grpSpPr>
+      <p:sp>
+        <p:nvSpPr>
+          <p:cNvPr id="2" name="Folienbildplatzhalter 1"/>
+          <p:cNvSpPr>
+            <a:spLocks noGrp="1" noRot="1" noChangeAspect="1"/>
+          </p:cNvSpPr>
+          <p:nvPr>
+            <p:ph type="sldImg"/>
+          </p:nvPr>
+        </p:nvSpPr>
+        <p:spPr/>
+      </p:sp>
+      <p:sp>
+        <p:nvSpPr>
+          <p:cNvPr id="3" name="Notizenplatzhalter 2"/>
+          <p:cNvSpPr>
+            <a:spLocks noGrp="1"/>
+          </p:cNvSpPr>
+          <p:nvPr>
+            <p:ph type="body" idx="1"/>
+          </p:nvPr>
+        </p:nvSpPr>
+        <p:spPr/>
+        <p:txBody>
+          <a:bodyPr/>
+          <a:lstStyle/>
+          <a:p>
+            <a:endParaRPr lang="de-DE" dirty="0"/>
+          </a:p>
+        </p:txBody>
+      </p:sp>
+      <p:sp>
+        <p:nvSpPr>
+          <p:cNvPr id="4" name="Foliennummernplatzhalter 3"/>
+          <p:cNvSpPr>
+            <a:spLocks noGrp="1"/>
+          </p:cNvSpPr>
+          <p:nvPr>
+            <p:ph type="sldNum" sz="quarter" idx="5"/>
+          </p:nvPr>
+        </p:nvSpPr>
+        <p:spPr/>
+        <p:txBody>
+          <a:bodyPr/>
+          <a:lstStyle/>
+          <a:p>
+            <a:fld id="{272E3E51-A3F3-4FD4-9C75-1C612CCCCA5A}" type="slidenum">
+              <a:rPr lang="de-DE" smtClean="0"/>
+              <a:pPr/>
+              <a:t>6</a:t>
+            </a:fld>
+            <a:endParaRPr lang="de-DE"/>
+          </a:p>
+        </p:txBody>
+      </p:sp>
+    </p:spTree>
+    <p:extLst>
+      <p:ext uri="{BB962C8B-B14F-4D97-AF65-F5344CB8AC3E}">
+        <p14:creationId xmlns:p14="http://schemas.microsoft.com/office/powerpoint/2010/main" val="812823342"/>
       </p:ext>
     </p:extLst>
   </p:cSld>
@@ -4609,7 +4695,7 @@
           <a:p>
             <a:r>
               <a:rPr lang="de-DE" dirty="0"/>
-              <a:t>GIF</a:t>
+              <a:t>Video</a:t>
             </a:r>
           </a:p>
         </p:txBody>
@@ -4642,6 +4728,44 @@
           </a:p>
         </p:txBody>
       </p:sp>
+      <p:pic>
+        <p:nvPicPr>
+          <p:cNvPr id="4" name="ExplorationV01">
+            <a:hlinkClick r:id="" action="ppaction://media"/>
+            <a:extLst>
+              <a:ext uri="{FF2B5EF4-FFF2-40B4-BE49-F238E27FC236}">
+                <a16:creationId xmlns:a16="http://schemas.microsoft.com/office/drawing/2014/main" id="{6FBB0722-F7A8-472C-ABA7-2C38F4EDD44F}"/>
+              </a:ext>
+            </a:extLst>
+          </p:cNvPr>
+          <p:cNvPicPr>
+            <a:picLocks noChangeAspect="1"/>
+          </p:cNvPicPr>
+          <p:nvPr>
+            <a:videoFile r:link="rId2"/>
+            <p:extLst>
+              <p:ext uri="{DAA4B4D4-6D71-4841-9C94-3DE7FCFB9230}">
+                <p14:media xmlns:p14="http://schemas.microsoft.com/office/powerpoint/2010/main" r:embed="rId1"/>
+              </p:ext>
+            </p:extLst>
+          </p:nvPr>
+        </p:nvPicPr>
+        <p:blipFill>
+          <a:blip r:embed="rId5"/>
+          <a:stretch>
+            <a:fillRect/>
+          </a:stretch>
+        </p:blipFill>
+        <p:spPr>
+          <a:xfrm>
+            <a:off x="3275856" y="544695"/>
+            <a:ext cx="3888432" cy="3899263"/>
+          </a:xfrm>
+          <a:prstGeom prst="rect">
+            <a:avLst/>
+          </a:prstGeom>
+        </p:spPr>
+      </p:pic>
     </p:spTree>
     <p:extLst>
       <p:ext uri="{BB962C8B-B14F-4D97-AF65-F5344CB8AC3E}">
@@ -4652,6 +4776,141 @@
   <p:clrMapOvr>
     <a:masterClrMapping/>
   </p:clrMapOvr>
+  <p:timing>
+    <p:tnLst>
+      <p:par>
+        <p:cTn id="1" dur="indefinite" restart="never" nodeType="tmRoot">
+          <p:childTnLst>
+            <p:seq concurrent="1" nextAc="seek">
+              <p:cTn id="2" dur="indefinite" nodeType="mainSeq">
+                <p:childTnLst>
+                  <p:par>
+                    <p:cTn id="3" fill="hold">
+                      <p:stCondLst>
+                        <p:cond delay="indefinite"/>
+                      </p:stCondLst>
+                      <p:childTnLst>
+                        <p:par>
+                          <p:cTn id="4" fill="hold">
+                            <p:stCondLst>
+                              <p:cond delay="0"/>
+                            </p:stCondLst>
+                            <p:childTnLst>
+                              <p:par>
+                                <p:cTn id="5" presetID="1" presetClass="mediacall" presetSubtype="0" fill="hold" nodeType="clickEffect">
+                                  <p:stCondLst>
+                                    <p:cond delay="0"/>
+                                  </p:stCondLst>
+                                  <p:childTnLst>
+                                    <p:cmd type="call" cmd="playFrom(0.0)">
+                                      <p:cBhvr>
+                                        <p:cTn id="6" dur="7168" fill="hold"/>
+                                        <p:tgtEl>
+                                          <p:spTgt spid="4"/>
+                                        </p:tgtEl>
+                                      </p:cBhvr>
+                                    </p:cmd>
+                                  </p:childTnLst>
+                                </p:cTn>
+                              </p:par>
+                            </p:childTnLst>
+                          </p:cTn>
+                        </p:par>
+                      </p:childTnLst>
+                    </p:cTn>
+                  </p:par>
+                </p:childTnLst>
+              </p:cTn>
+              <p:prevCondLst>
+                <p:cond evt="onPrev" delay="0">
+                  <p:tgtEl>
+                    <p:sldTgt/>
+                  </p:tgtEl>
+                </p:cond>
+              </p:prevCondLst>
+              <p:nextCondLst>
+                <p:cond evt="onNext" delay="0">
+                  <p:tgtEl>
+                    <p:sldTgt/>
+                  </p:tgtEl>
+                </p:cond>
+              </p:nextCondLst>
+            </p:seq>
+            <p:video>
+              <p:cMediaNode vol="80000">
+                <p:cTn id="7" fill="hold" display="0">
+                  <p:stCondLst>
+                    <p:cond delay="indefinite"/>
+                  </p:stCondLst>
+                </p:cTn>
+                <p:tgtEl>
+                  <p:spTgt spid="4"/>
+                </p:tgtEl>
+              </p:cMediaNode>
+            </p:video>
+            <p:seq concurrent="1" nextAc="seek">
+              <p:cTn id="8" restart="whenNotActive" fill="hold" evtFilter="cancelBubble" nodeType="interactiveSeq">
+                <p:stCondLst>
+                  <p:cond evt="onClick" delay="0">
+                    <p:tgtEl>
+                      <p:spTgt spid="4"/>
+                    </p:tgtEl>
+                  </p:cond>
+                </p:stCondLst>
+                <p:endSync evt="end" delay="0">
+                  <p:rtn val="all"/>
+                </p:endSync>
+                <p:childTnLst>
+                  <p:par>
+                    <p:cTn id="9" fill="hold">
+                      <p:stCondLst>
+                        <p:cond delay="0"/>
+                      </p:stCondLst>
+                      <p:childTnLst>
+                        <p:par>
+                          <p:cTn id="10" fill="hold">
+                            <p:stCondLst>
+                              <p:cond delay="0"/>
+                            </p:stCondLst>
+                            <p:childTnLst>
+                              <p:par>
+                                <p:cTn id="11" presetID="2" presetClass="mediacall" presetSubtype="0" fill="hold" nodeType="clickEffect">
+                                  <p:stCondLst>
+                                    <p:cond delay="0"/>
+                                  </p:stCondLst>
+                                  <p:childTnLst>
+                                    <p:cmd type="call" cmd="togglePause">
+                                      <p:cBhvr>
+                                        <p:cTn id="12" dur="1" fill="hold"/>
+                                        <p:tgtEl>
+                                          <p:spTgt spid="4"/>
+                                        </p:tgtEl>
+                                      </p:cBhvr>
+                                    </p:cmd>
+                                  </p:childTnLst>
+                                </p:cTn>
+                              </p:par>
+                            </p:childTnLst>
+                          </p:cTn>
+                        </p:par>
+                      </p:childTnLst>
+                    </p:cTn>
+                  </p:par>
+                </p:childTnLst>
+              </p:cTn>
+              <p:nextCondLst>
+                <p:cond evt="onClick" delay="0">
+                  <p:tgtEl>
+                    <p:spTgt spid="4"/>
+                  </p:tgtEl>
+                </p:cond>
+              </p:nextCondLst>
+            </p:seq>
+          </p:childTnLst>
+        </p:cTn>
+      </p:par>
+    </p:tnLst>
+  </p:timing>
 </p:sld>
 </file>
 
@@ -4900,112 +5159,143 @@
           <a:lstStyle/>
           <a:p>
             <a:r>
-              <a:rPr lang="de-DE" sz="2600" dirty="0" err="1"/>
+              <a:rPr lang="de-DE" dirty="0" err="1"/>
+              <a:t>Implementing</a:t>
+            </a:r>
+            <a:r>
+              <a:rPr lang="de-DE" dirty="0"/>
+              <a:t> a </a:t>
+            </a:r>
+            <a:r>
+              <a:rPr lang="de-DE" dirty="0" err="1"/>
+              <a:t>more</a:t>
+            </a:r>
+            <a:r>
+              <a:rPr lang="de-DE" dirty="0"/>
+              <a:t> </a:t>
+            </a:r>
+            <a:r>
+              <a:rPr lang="de-DE" dirty="0" err="1"/>
+              <a:t>efficient</a:t>
+            </a:r>
+            <a:r>
+              <a:rPr lang="de-DE" dirty="0"/>
+              <a:t> </a:t>
+            </a:r>
+            <a:r>
+              <a:rPr lang="de-DE" dirty="0" err="1"/>
+              <a:t>movement</a:t>
+            </a:r>
+            <a:endParaRPr lang="de-DE" dirty="0"/>
+          </a:p>
+          <a:p>
+            <a:r>
+              <a:rPr lang="de-DE" dirty="0" err="1"/>
               <a:t>Getting</a:t>
             </a:r>
             <a:r>
-              <a:rPr lang="de-DE" sz="2600" dirty="0"/>
+              <a:rPr lang="de-DE" dirty="0"/>
               <a:t> </a:t>
             </a:r>
             <a:r>
-              <a:rPr lang="de-DE" sz="2600" dirty="0" err="1"/>
+              <a:rPr lang="de-DE" dirty="0" err="1"/>
               <a:t>the</a:t>
             </a:r>
             <a:r>
-              <a:rPr lang="de-DE" sz="2600" dirty="0"/>
+              <a:rPr lang="de-DE" dirty="0"/>
               <a:t> </a:t>
             </a:r>
             <a:r>
-              <a:rPr lang="de-DE" sz="2600" dirty="0" err="1"/>
+              <a:rPr lang="de-DE" dirty="0" err="1"/>
               <a:t>agents</a:t>
             </a:r>
             <a:r>
-              <a:rPr lang="de-DE" sz="2600" dirty="0"/>
+              <a:rPr lang="de-DE" dirty="0"/>
               <a:t> </a:t>
             </a:r>
             <a:r>
-              <a:rPr lang="de-DE" sz="2600" dirty="0" err="1"/>
+              <a:rPr lang="de-DE" dirty="0" err="1"/>
               <a:t>to</a:t>
             </a:r>
             <a:r>
-              <a:rPr lang="de-DE" sz="2600" dirty="0"/>
+              <a:rPr lang="de-DE" dirty="0"/>
               <a:t> </a:t>
             </a:r>
             <a:r>
-              <a:rPr lang="de-DE" sz="2600" dirty="0" err="1"/>
+              <a:rPr lang="de-DE" dirty="0" err="1"/>
               <a:t>leave</a:t>
             </a:r>
             <a:r>
-              <a:rPr lang="de-DE" sz="2600" dirty="0"/>
+              <a:rPr lang="de-DE" dirty="0"/>
               <a:t> </a:t>
             </a:r>
             <a:r>
-              <a:rPr lang="de-DE" sz="2600" dirty="0" err="1"/>
+              <a:rPr lang="de-DE" dirty="0" err="1"/>
               <a:t>the</a:t>
             </a:r>
             <a:r>
-              <a:rPr lang="de-DE" sz="2600" dirty="0"/>
+              <a:rPr lang="de-DE" dirty="0"/>
               <a:t> </a:t>
             </a:r>
             <a:r>
-              <a:rPr lang="de-DE" sz="2600" dirty="0" err="1"/>
+              <a:rPr lang="de-DE" dirty="0" err="1"/>
               <a:t>task</a:t>
             </a:r>
             <a:r>
-              <a:rPr lang="de-DE" sz="2600" dirty="0"/>
+              <a:rPr lang="de-DE" dirty="0"/>
               <a:t> block after </a:t>
             </a:r>
             <a:r>
-              <a:rPr lang="de-DE" sz="2600" dirty="0" err="1"/>
+              <a:rPr lang="de-DE" dirty="0" err="1"/>
               <a:t>getting</a:t>
             </a:r>
             <a:r>
-              <a:rPr lang="de-DE" sz="2600" dirty="0"/>
+              <a:rPr lang="de-DE" dirty="0"/>
               <a:t> a </a:t>
             </a:r>
             <a:r>
-              <a:rPr lang="de-DE" sz="2600" dirty="0" err="1"/>
+              <a:rPr lang="de-DE" dirty="0" err="1"/>
               <a:t>task</a:t>
             </a:r>
             <a:r>
-              <a:rPr lang="de-DE" sz="2600" dirty="0"/>
+              <a:rPr lang="de-DE" dirty="0"/>
               <a:t> </a:t>
             </a:r>
           </a:p>
           <a:p>
             <a:r>
-              <a:rPr lang="de-DE" sz="2600" dirty="0"/>
+              <a:rPr lang="de-DE" dirty="0"/>
               <a:t>More </a:t>
             </a:r>
             <a:r>
-              <a:rPr lang="de-DE" sz="2600" dirty="0" err="1"/>
+              <a:rPr lang="de-DE" dirty="0" err="1"/>
               <a:t>efficient</a:t>
             </a:r>
             <a:r>
-              <a:rPr lang="de-DE" sz="2600" dirty="0"/>
+              <a:rPr lang="de-DE" dirty="0"/>
               <a:t> </a:t>
             </a:r>
             <a:r>
-              <a:rPr lang="de-DE" sz="2600" dirty="0" err="1"/>
+              <a:rPr lang="de-DE" dirty="0" err="1"/>
               <a:t>pathing</a:t>
             </a:r>
             <a:r>
-              <a:rPr lang="de-DE" sz="2600" dirty="0"/>
+              <a:rPr lang="de-DE" dirty="0"/>
               <a:t> </a:t>
             </a:r>
             <a:r>
-              <a:rPr lang="de-DE" sz="2600" dirty="0" err="1"/>
+              <a:rPr lang="de-DE" dirty="0" err="1"/>
               <a:t>towards</a:t>
             </a:r>
             <a:r>
-              <a:rPr lang="de-DE" sz="2600" dirty="0"/>
+              <a:rPr lang="de-DE" dirty="0"/>
               <a:t> </a:t>
             </a:r>
             <a:r>
-              <a:rPr lang="de-DE" sz="2600" dirty="0" err="1"/>
+              <a:rPr lang="de-DE" dirty="0" err="1"/>
               <a:t>tasks</a:t>
             </a:r>
-            <a:endParaRPr lang="de-DE" sz="2600" dirty="0"/>
+            <a:endParaRPr lang="de-DE" dirty="0"/>
           </a:p>
           <a:p>
             <a:pPr lvl="1"/>
@@ -5061,121 +5351,6 @@
               <a:rPr lang="de-DE" sz="2400" dirty="0"/>
               <a:t>)</a:t>
             </a:r>
-          </a:p>
-          <a:p>
-            <a:r>
-              <a:rPr lang="de-DE" sz="2600" dirty="0" err="1"/>
-              <a:t>Submitting</a:t>
-            </a:r>
-            <a:r>
-              <a:rPr lang="de-DE" sz="2600" dirty="0"/>
-              <a:t> single-block </a:t>
-            </a:r>
-            <a:r>
-              <a:rPr lang="de-DE" sz="2600" dirty="0" err="1"/>
-              <a:t>tasks</a:t>
-            </a:r>
-            <a:endParaRPr lang="de-DE" sz="2600" dirty="0"/>
-          </a:p>
-          <a:p>
-            <a:pPr lvl="1"/>
-            <a:r>
-              <a:rPr lang="de-DE" sz="2200" dirty="0"/>
-              <a:t>Grabbing (</a:t>
-            </a:r>
-            <a:r>
-              <a:rPr lang="de-DE" sz="2200" dirty="0" err="1"/>
-              <a:t>needed</a:t>
-            </a:r>
-            <a:r>
-              <a:rPr lang="de-DE" sz="2200" dirty="0"/>
-              <a:t>) </a:t>
-            </a:r>
-            <a:r>
-              <a:rPr lang="de-DE" sz="2200" dirty="0" err="1"/>
-              <a:t>blocks</a:t>
-            </a:r>
-            <a:r>
-              <a:rPr lang="de-DE" sz="2200" dirty="0"/>
-              <a:t> </a:t>
-            </a:r>
-            <a:r>
-              <a:rPr lang="de-DE" sz="2200" dirty="0" err="1"/>
-              <a:t>with</a:t>
-            </a:r>
-            <a:r>
-              <a:rPr lang="de-DE" sz="2200" dirty="0"/>
-              <a:t> an </a:t>
-            </a:r>
-            <a:r>
-              <a:rPr lang="de-DE" sz="2200" dirty="0" err="1"/>
-              <a:t>agent</a:t>
-            </a:r>
-            <a:endParaRPr lang="de-DE" sz="2200" dirty="0"/>
-          </a:p>
-          <a:p>
-            <a:pPr lvl="1"/>
-            <a:r>
-              <a:rPr lang="de-DE" sz="2200" dirty="0" err="1"/>
-              <a:t>Finding</a:t>
-            </a:r>
-            <a:r>
-              <a:rPr lang="de-DE" sz="2200" dirty="0"/>
-              <a:t> and </a:t>
-            </a:r>
-            <a:r>
-              <a:rPr lang="de-DE" sz="2200" dirty="0" err="1"/>
-              <a:t>reaching</a:t>
-            </a:r>
-            <a:r>
-              <a:rPr lang="de-DE" sz="2200" dirty="0"/>
-              <a:t> goal-</a:t>
-            </a:r>
-            <a:r>
-              <a:rPr lang="de-DE" sz="2200" dirty="0" err="1"/>
-              <a:t>zones</a:t>
-            </a:r>
-            <a:endParaRPr lang="de-DE" sz="2200" dirty="0"/>
-          </a:p>
-          <a:p>
-            <a:pPr lvl="2"/>
-            <a:r>
-              <a:rPr lang="de-DE" sz="2200" dirty="0" err="1"/>
-              <a:t>Storing</a:t>
-            </a:r>
-            <a:r>
-              <a:rPr lang="de-DE" sz="2200" dirty="0"/>
-              <a:t> </a:t>
-            </a:r>
-            <a:r>
-              <a:rPr lang="de-DE" sz="2200" dirty="0" err="1"/>
-              <a:t>positions</a:t>
-            </a:r>
-            <a:r>
-              <a:rPr lang="de-DE" sz="2200" dirty="0"/>
-              <a:t> </a:t>
-            </a:r>
-            <a:r>
-              <a:rPr lang="de-DE" sz="2200" dirty="0" err="1"/>
-              <a:t>of</a:t>
-            </a:r>
-            <a:r>
-              <a:rPr lang="de-DE" sz="2200" dirty="0"/>
-              <a:t> </a:t>
-            </a:r>
-            <a:r>
-              <a:rPr lang="de-DE" sz="2200" dirty="0" err="1"/>
-              <a:t>important</a:t>
-            </a:r>
-            <a:r>
-              <a:rPr lang="de-DE" sz="2200" dirty="0"/>
-              <a:t> </a:t>
-            </a:r>
-            <a:r>
-              <a:rPr lang="de-DE" sz="2200" dirty="0" err="1"/>
-              <a:t>entities</a:t>
-            </a:r>
-            <a:endParaRPr lang="de-DE" sz="2200" dirty="0"/>
           </a:p>
           <a:p>
             <a:endParaRPr lang="de-DE" dirty="0"/>
@@ -5214,7 +5389,10 @@
               <a:rPr lang="de-DE" dirty="0" err="1"/>
               <a:t>Steps</a:t>
             </a:r>
-            <a:endParaRPr lang="de-DE" dirty="0"/>
+            <a:r>
+              <a:rPr lang="de-DE" dirty="0"/>
+              <a:t> (1)</a:t>
+            </a:r>
           </a:p>
         </p:txBody>
       </p:sp>
@@ -5222,6 +5400,212 @@
     <p:extLst>
       <p:ext uri="{BB962C8B-B14F-4D97-AF65-F5344CB8AC3E}">
         <p14:creationId xmlns:p14="http://schemas.microsoft.com/office/powerpoint/2010/main" val="3816087571"/>
+      </p:ext>
+    </p:extLst>
+  </p:cSld>
+  <p:clrMapOvr>
+    <a:masterClrMapping/>
+  </p:clrMapOvr>
+</p:sld>
+</file>
+
+<file path=ppt/slides/slide9.xml><?xml version="1.0" encoding="utf-8"?>
+<p:sld xmlns:a="http://schemas.openxmlformats.org/drawingml/2006/main" xmlns:r="http://schemas.openxmlformats.org/officeDocument/2006/relationships" xmlns:p="http://schemas.openxmlformats.org/presentationml/2006/main">
+  <p:cSld>
+    <p:spTree>
+      <p:nvGrpSpPr>
+        <p:cNvPr id="1" name=""/>
+        <p:cNvGrpSpPr/>
+        <p:nvPr/>
+      </p:nvGrpSpPr>
+      <p:grpSpPr>
+        <a:xfrm>
+          <a:off x="0" y="0"/>
+          <a:ext cx="0" cy="0"/>
+          <a:chOff x="0" y="0"/>
+          <a:chExt cx="0" cy="0"/>
+        </a:xfrm>
+      </p:grpSpPr>
+      <p:sp>
+        <p:nvSpPr>
+          <p:cNvPr id="2" name="Inhaltsplatzhalter 1">
+            <a:extLst>
+              <a:ext uri="{FF2B5EF4-FFF2-40B4-BE49-F238E27FC236}">
+                <a16:creationId xmlns:a16="http://schemas.microsoft.com/office/drawing/2014/main" id="{87353155-D277-4E67-AD97-EC007CD2AE84}"/>
+              </a:ext>
+            </a:extLst>
+          </p:cNvPr>
+          <p:cNvSpPr>
+            <a:spLocks noGrp="1"/>
+          </p:cNvSpPr>
+          <p:nvPr>
+            <p:ph idx="1"/>
+          </p:nvPr>
+        </p:nvSpPr>
+        <p:spPr/>
+        <p:txBody>
+          <a:bodyPr/>
+          <a:lstStyle/>
+          <a:p>
+            <a:r>
+              <a:rPr lang="de-DE" dirty="0" err="1"/>
+              <a:t>Submitting</a:t>
+            </a:r>
+            <a:r>
+              <a:rPr lang="de-DE" dirty="0"/>
+              <a:t> single-block </a:t>
+            </a:r>
+            <a:r>
+              <a:rPr lang="de-DE" dirty="0" err="1"/>
+              <a:t>tasks</a:t>
+            </a:r>
+            <a:endParaRPr lang="de-DE" dirty="0"/>
+          </a:p>
+          <a:p>
+            <a:pPr lvl="1"/>
+            <a:r>
+              <a:rPr lang="de-DE" sz="2400" dirty="0"/>
+              <a:t>Grabbing (</a:t>
+            </a:r>
+            <a:r>
+              <a:rPr lang="de-DE" sz="2400" dirty="0" err="1"/>
+              <a:t>needed</a:t>
+            </a:r>
+            <a:r>
+              <a:rPr lang="de-DE" sz="2400" dirty="0"/>
+              <a:t>) </a:t>
+            </a:r>
+            <a:r>
+              <a:rPr lang="de-DE" sz="2400" dirty="0" err="1"/>
+              <a:t>blocks</a:t>
+            </a:r>
+            <a:r>
+              <a:rPr lang="de-DE" sz="2400" dirty="0"/>
+              <a:t> </a:t>
+            </a:r>
+            <a:r>
+              <a:rPr lang="de-DE" sz="2400" dirty="0" err="1"/>
+              <a:t>with</a:t>
+            </a:r>
+            <a:r>
+              <a:rPr lang="de-DE" sz="2400" dirty="0"/>
+              <a:t> an </a:t>
+            </a:r>
+            <a:r>
+              <a:rPr lang="de-DE" sz="2400" dirty="0" err="1"/>
+              <a:t>agent</a:t>
+            </a:r>
+            <a:endParaRPr lang="de-DE" sz="2400" dirty="0"/>
+          </a:p>
+          <a:p>
+            <a:pPr lvl="1"/>
+            <a:r>
+              <a:rPr lang="de-DE" sz="2400" dirty="0" err="1"/>
+              <a:t>Finding</a:t>
+            </a:r>
+            <a:r>
+              <a:rPr lang="de-DE" sz="2400" dirty="0"/>
+              <a:t> and </a:t>
+            </a:r>
+            <a:r>
+              <a:rPr lang="de-DE" sz="2400" dirty="0" err="1"/>
+              <a:t>reaching</a:t>
+            </a:r>
+            <a:r>
+              <a:rPr lang="de-DE" sz="2400" dirty="0"/>
+              <a:t> goal-</a:t>
+            </a:r>
+            <a:r>
+              <a:rPr lang="de-DE" sz="2400" dirty="0" err="1"/>
+              <a:t>zones</a:t>
+            </a:r>
+            <a:endParaRPr lang="de-DE" sz="2400" dirty="0"/>
+          </a:p>
+          <a:p>
+            <a:pPr lvl="2"/>
+            <a:r>
+              <a:rPr lang="de-DE" dirty="0" err="1"/>
+              <a:t>Storing</a:t>
+            </a:r>
+            <a:r>
+              <a:rPr lang="de-DE" dirty="0"/>
+              <a:t> </a:t>
+            </a:r>
+            <a:r>
+              <a:rPr lang="de-DE" dirty="0" err="1"/>
+              <a:t>positions</a:t>
+            </a:r>
+            <a:r>
+              <a:rPr lang="de-DE" dirty="0"/>
+              <a:t> </a:t>
+            </a:r>
+            <a:r>
+              <a:rPr lang="de-DE" dirty="0" err="1"/>
+              <a:t>of</a:t>
+            </a:r>
+            <a:r>
+              <a:rPr lang="de-DE" dirty="0"/>
+              <a:t> </a:t>
+            </a:r>
+            <a:r>
+              <a:rPr lang="de-DE" dirty="0" err="1"/>
+              <a:t>important</a:t>
+            </a:r>
+            <a:r>
+              <a:rPr lang="de-DE" dirty="0"/>
+              <a:t> </a:t>
+            </a:r>
+            <a:r>
+              <a:rPr lang="de-DE" dirty="0" err="1"/>
+              <a:t>entities</a:t>
+            </a:r>
+            <a:endParaRPr lang="de-DE" dirty="0"/>
+          </a:p>
+          <a:p>
+            <a:endParaRPr lang="de-DE" dirty="0"/>
+          </a:p>
+        </p:txBody>
+      </p:sp>
+      <p:sp>
+        <p:nvSpPr>
+          <p:cNvPr id="3" name="Titel 2">
+            <a:extLst>
+              <a:ext uri="{FF2B5EF4-FFF2-40B4-BE49-F238E27FC236}">
+                <a16:creationId xmlns:a16="http://schemas.microsoft.com/office/drawing/2014/main" id="{8D81DC58-020E-402B-A8F6-85369F60A6CD}"/>
+              </a:ext>
+            </a:extLst>
+          </p:cNvPr>
+          <p:cNvSpPr>
+            <a:spLocks noGrp="1"/>
+          </p:cNvSpPr>
+          <p:nvPr>
+            <p:ph type="title"/>
+          </p:nvPr>
+        </p:nvSpPr>
+        <p:spPr/>
+        <p:txBody>
+          <a:bodyPr/>
+          <a:lstStyle/>
+          <a:p>
+            <a:r>
+              <a:rPr lang="de-DE" dirty="0"/>
+              <a:t>Next </a:t>
+            </a:r>
+            <a:r>
+              <a:rPr lang="de-DE" dirty="0" err="1"/>
+              <a:t>Steps</a:t>
+            </a:r>
+            <a:r>
+              <a:rPr lang="de-DE" dirty="0"/>
+              <a:t> (2)</a:t>
+            </a:r>
+          </a:p>
+        </p:txBody>
+      </p:sp>
+    </p:spTree>
+    <p:extLst>
+      <p:ext uri="{BB962C8B-B14F-4D97-AF65-F5344CB8AC3E}">
+        <p14:creationId xmlns:p14="http://schemas.microsoft.com/office/powerpoint/2010/main" val="3186059567"/>
       </p:ext>
     </p:extLst>
   </p:cSld>

--- a/Milestone1 Presentation.pptx
+++ b/Milestone1 Presentation.pptx
@@ -4047,8 +4047,13 @@
           <a:p>
             <a:r>
               <a:rPr lang="de-DE" dirty="0"/>
-              <a:t>Team Name, Working Progress</a:t>
-            </a:r>
+              <a:t>Working Progress, Team </a:t>
+            </a:r>
+            <a:r>
+              <a:rPr lang="de-DE" dirty="0" err="1"/>
+              <a:t>name</a:t>
+            </a:r>
+            <a:endParaRPr lang="de-DE" dirty="0"/>
           </a:p>
           <a:p>
             <a:r>
@@ -4449,7 +4454,10 @@
               <a:rPr lang="de-DE" dirty="0" err="1"/>
               <a:t>TotallyNotSpies</a:t>
             </a:r>
-            <a:endParaRPr lang="de-DE" dirty="0"/>
+            <a:r>
+              <a:rPr lang="de-DE" dirty="0"/>
+              <a:t> (TNS)</a:t>
+            </a:r>
           </a:p>
           <a:p>
             <a:pPr lvl="1"/>
@@ -4524,8 +4532,13 @@
             </a:r>
             <a:r>
               <a:rPr lang="de-DE" dirty="0"/>
-              <a:t>: Team Name</a:t>
-            </a:r>
+              <a:t>: Team </a:t>
+            </a:r>
+            <a:r>
+              <a:rPr lang="de-DE" dirty="0" err="1"/>
+              <a:t>name</a:t>
+            </a:r>
+            <a:endParaRPr lang="de-DE" dirty="0"/>
           </a:p>
         </p:txBody>
       </p:sp>

--- a/Milestone1 Presentation.pptx
+++ b/Milestone1 Presentation.pptx
@@ -239,7 +239,7 @@
                 <a:latin typeface="StoneSansITCStd Medium" pitchFamily="50" charset="0"/>
                 <a:cs typeface="Arial" panose="020B0604020202020204" pitchFamily="34" charset="0"/>
               </a:rPr>
-              <a:t>01.12.2021</a:t>
+              <a:t>02.12.2021</a:t>
             </a:fld>
             <a:endParaRPr lang="de-DE">
               <a:latin typeface="StoneSansITCStd Medium" pitchFamily="50" charset="0"/>
@@ -421,7 +421,7 @@
             <a:fld id="{5801EACB-8D12-49F2-9088-5A635C50DDBD}" type="datetimeFigureOut">
               <a:rPr lang="de-DE" smtClean="0"/>
               <a:pPr/>
-              <a:t>01.12.2021</a:t>
+              <a:t>02.12.2021</a:t>
             </a:fld>
             <a:endParaRPr lang="de-DE"/>
           </a:p>
@@ -1289,7 +1289,7 @@
             <a:fld id="{911D8C60-1F2D-4436-BF53-22882F494404}" type="datetimeFigureOut">
               <a:rPr lang="de-DE" smtClean="0"/>
               <a:pPr/>
-              <a:t>01.12.2021</a:t>
+              <a:t>02.12.2021</a:t>
             </a:fld>
             <a:endParaRPr lang="de-DE" dirty="0"/>
           </a:p>
@@ -5075,7 +5075,26 @@
               <a:rPr lang="de-DE" dirty="0" err="1"/>
               <a:t>errors</a:t>
             </a:r>
-            <a:endParaRPr lang="de-DE" dirty="0"/>
+            <a:r>
+              <a:rPr lang="de-DE" dirty="0"/>
+              <a:t> (</a:t>
+            </a:r>
+            <a:r>
+              <a:rPr lang="de-DE" dirty="0" err="1"/>
+              <a:t>eg</a:t>
+            </a:r>
+            <a:r>
+              <a:rPr lang="de-DE" dirty="0"/>
+              <a:t> socket </a:t>
+            </a:r>
+            <a:r>
+              <a:rPr lang="de-DE" dirty="0" err="1"/>
+              <a:t>problem</a:t>
+            </a:r>
+            <a:r>
+              <a:rPr lang="de-DE" dirty="0"/>
+              <a:t>)</a:t>
+            </a:r>
           </a:p>
           <a:p>
             <a:r>
@@ -5276,6 +5295,101 @@
             </a:r>
           </a:p>
           <a:p>
+            <a:pPr lvl="1"/>
+            <a:r>
+              <a:rPr lang="de-DE" dirty="0"/>
+              <a:t>Question: </a:t>
+            </a:r>
+            <a:r>
+              <a:rPr lang="de-DE" dirty="0" err="1"/>
+              <a:t>can</a:t>
+            </a:r>
+            <a:r>
+              <a:rPr lang="de-DE" dirty="0"/>
+              <a:t> </a:t>
+            </a:r>
+            <a:r>
+              <a:rPr lang="de-DE" dirty="0" err="1"/>
+              <a:t>only</a:t>
+            </a:r>
+            <a:r>
+              <a:rPr lang="de-DE" dirty="0"/>
+              <a:t> </a:t>
+            </a:r>
+            <a:r>
+              <a:rPr lang="de-DE" dirty="0" err="1"/>
+              <a:t>the</a:t>
+            </a:r>
+            <a:r>
+              <a:rPr lang="de-DE" dirty="0"/>
+              <a:t> </a:t>
+            </a:r>
+            <a:r>
+              <a:rPr lang="de-DE" dirty="0" err="1"/>
+              <a:t>agent</a:t>
+            </a:r>
+            <a:r>
+              <a:rPr lang="de-DE" dirty="0"/>
+              <a:t> </a:t>
+            </a:r>
+            <a:r>
+              <a:rPr lang="de-DE" dirty="0" err="1"/>
+              <a:t>who</a:t>
+            </a:r>
+            <a:r>
+              <a:rPr lang="de-DE" dirty="0"/>
+              <a:t> </a:t>
+            </a:r>
+            <a:r>
+              <a:rPr lang="de-DE" dirty="0" err="1"/>
+              <a:t>accepted</a:t>
+            </a:r>
+            <a:r>
+              <a:rPr lang="de-DE" dirty="0"/>
+              <a:t> </a:t>
+            </a:r>
+            <a:r>
+              <a:rPr lang="de-DE" dirty="0" err="1"/>
+              <a:t>the</a:t>
+            </a:r>
+            <a:r>
+              <a:rPr lang="de-DE" dirty="0"/>
+              <a:t> </a:t>
+            </a:r>
+            <a:r>
+              <a:rPr lang="de-DE" dirty="0" err="1"/>
+              <a:t>task</a:t>
+            </a:r>
+            <a:r>
+              <a:rPr lang="de-DE" dirty="0"/>
+              <a:t> </a:t>
+            </a:r>
+            <a:r>
+              <a:rPr lang="de-DE" dirty="0" err="1"/>
+              <a:t>cmplete</a:t>
+            </a:r>
+            <a:r>
+              <a:rPr lang="de-DE" dirty="0"/>
+              <a:t> </a:t>
+            </a:r>
+            <a:r>
+              <a:rPr lang="de-DE" dirty="0" err="1"/>
+              <a:t>said</a:t>
+            </a:r>
+            <a:r>
+              <a:rPr lang="de-DE" dirty="0"/>
+              <a:t> </a:t>
+            </a:r>
+            <a:r>
+              <a:rPr lang="de-DE" dirty="0" err="1"/>
+              <a:t>task</a:t>
+            </a:r>
+            <a:r>
+              <a:rPr lang="de-DE" dirty="0"/>
+              <a:t>?</a:t>
+            </a:r>
+          </a:p>
+          <a:p>
             <a:r>
               <a:rPr lang="de-DE" dirty="0"/>
               <a:t>More </a:t>
@@ -5610,7 +5724,7 @@
             </a:r>
             <a:r>
               <a:rPr lang="de-DE" dirty="0"/>
-              <a:t> (2)</a:t>
+              <a:t> (2) Milestone 3</a:t>
             </a:r>
           </a:p>
         </p:txBody>
